--- a/user files/Machine Learning In Finance Customer Facing June 2022.pptx
+++ b/user files/Machine Learning In Finance Customer Facing June 2022.pptx
@@ -3562,7 +3562,7 @@
           <a:p>
             <a:fld id="{80680FBE-A8DF-4758-9AC4-3A9E1039168F}" type="datetimeFigureOut">
               <a:rPr lang="en-US" smtClean="0"/>
-              <a:t>6/6/2022</a:t>
+              <a:t>6/8/2022</a:t>
             </a:fld>
             <a:endParaRPr lang="en-US" dirty="0"/>
           </a:p>
@@ -3727,7 +3727,7 @@
           <a:p>
             <a:fld id="{EC13577B-6902-467D-A26C-08A0DD5E4E03}" type="datetimeFigureOut">
               <a:rPr lang="en-US" smtClean="0"/>
-              <a:t>6/6/2022</a:t>
+              <a:t>6/7/2022</a:t>
             </a:fld>
             <a:endParaRPr lang="en-US" dirty="0"/>
           </a:p>
@@ -4339,7 +4339,7 @@
           <a:p>
             <a:fld id="{4DBA459A-AA26-4610-AC30-F68496ECCEE6}" type="datetimeFigureOut">
               <a:rPr lang="en-US" smtClean="0"/>
-              <a:t>6/6/2022</a:t>
+              <a:t>6/7/2022</a:t>
             </a:fld>
             <a:endParaRPr lang="en-US"/>
           </a:p>
@@ -4452,7 +4452,7 @@
           <a:p>
             <a:fld id="{4DBA459A-AA26-4610-AC30-F68496ECCEE6}" type="datetimeFigureOut">
               <a:rPr lang="en-US" smtClean="0"/>
-              <a:t>6/6/2022</a:t>
+              <a:t>6/7/2022</a:t>
             </a:fld>
             <a:endParaRPr lang="en-US"/>
           </a:p>
@@ -4763,7 +4763,7 @@
           <a:p>
             <a:fld id="{4DBA459A-AA26-4610-AC30-F68496ECCEE6}" type="datetimeFigureOut">
               <a:rPr lang="en-US" smtClean="0"/>
-              <a:t>6/6/2022</a:t>
+              <a:t>6/7/2022</a:t>
             </a:fld>
             <a:endParaRPr lang="en-US"/>
           </a:p>
@@ -5051,7 +5051,7 @@
           <a:p>
             <a:fld id="{4DBA459A-AA26-4610-AC30-F68496ECCEE6}" type="datetimeFigureOut">
               <a:rPr lang="en-US" smtClean="0"/>
-              <a:t>6/6/2022</a:t>
+              <a:t>6/7/2022</a:t>
             </a:fld>
             <a:endParaRPr lang="en-US"/>
           </a:p>
@@ -5249,7 +5249,7 @@
           <a:p>
             <a:fld id="{4DBA459A-AA26-4610-AC30-F68496ECCEE6}" type="datetimeFigureOut">
               <a:rPr lang="en-US" smtClean="0"/>
-              <a:t>6/6/2022</a:t>
+              <a:t>6/7/2022</a:t>
             </a:fld>
             <a:endParaRPr lang="en-US"/>
           </a:p>
@@ -5457,7 +5457,7 @@
           <a:p>
             <a:fld id="{4DBA459A-AA26-4610-AC30-F68496ECCEE6}" type="datetimeFigureOut">
               <a:rPr lang="en-US" smtClean="0"/>
-              <a:t>6/6/2022</a:t>
+              <a:t>6/7/2022</a:t>
             </a:fld>
             <a:endParaRPr lang="en-US"/>
           </a:p>
@@ -5969,7 +5969,7 @@
             <a:fld id="{8BEEBAAA-29B5-4AF5-BC5F-7E580C29002D}" type="datetimeFigureOut">
               <a:rPr lang="en-US" smtClean="0"/>
               <a:pPr/>
-              <a:t>6/6/2022</a:t>
+              <a:t>6/7/2022</a:t>
             </a:fld>
             <a:endParaRPr lang="en-US" dirty="0"/>
           </a:p>
@@ -6520,7 +6520,7 @@
           <a:p>
             <a:fld id="{4DBA459A-AA26-4610-AC30-F68496ECCEE6}" type="datetimeFigureOut">
               <a:rPr lang="en-US" smtClean="0"/>
-              <a:t>6/6/2022</a:t>
+              <a:t>6/7/2022</a:t>
             </a:fld>
             <a:endParaRPr lang="en-US"/>
           </a:p>
@@ -6740,7 +6740,7 @@
           <a:p>
             <a:fld id="{4DBA459A-AA26-4610-AC30-F68496ECCEE6}" type="datetimeFigureOut">
               <a:rPr lang="en-US" smtClean="0"/>
-              <a:t>6/6/2022</a:t>
+              <a:t>6/7/2022</a:t>
             </a:fld>
             <a:endParaRPr lang="en-US"/>
           </a:p>
@@ -6938,7 +6938,7 @@
           <a:p>
             <a:fld id="{4DBA459A-AA26-4610-AC30-F68496ECCEE6}" type="datetimeFigureOut">
               <a:rPr lang="en-US" smtClean="0"/>
-              <a:t>6/6/2022</a:t>
+              <a:t>6/7/2022</a:t>
             </a:fld>
             <a:endParaRPr lang="en-US"/>
           </a:p>
@@ -7213,7 +7213,7 @@
           <a:p>
             <a:fld id="{4DBA459A-AA26-4610-AC30-F68496ECCEE6}" type="datetimeFigureOut">
               <a:rPr lang="en-US" smtClean="0"/>
-              <a:t>6/6/2022</a:t>
+              <a:t>6/7/2022</a:t>
             </a:fld>
             <a:endParaRPr lang="en-US"/>
           </a:p>
@@ -7478,7 +7478,7 @@
           <a:p>
             <a:fld id="{4DBA459A-AA26-4610-AC30-F68496ECCEE6}" type="datetimeFigureOut">
               <a:rPr lang="en-US" smtClean="0"/>
-              <a:t>6/6/2022</a:t>
+              <a:t>6/7/2022</a:t>
             </a:fld>
             <a:endParaRPr lang="en-US"/>
           </a:p>
@@ -7890,7 +7890,7 @@
           <a:p>
             <a:fld id="{4DBA459A-AA26-4610-AC30-F68496ECCEE6}" type="datetimeFigureOut">
               <a:rPr lang="en-US" smtClean="0"/>
-              <a:t>6/6/2022</a:t>
+              <a:t>6/7/2022</a:t>
             </a:fld>
             <a:endParaRPr lang="en-US"/>
           </a:p>
@@ -8163,7 +8163,7 @@
             <a:fld id="{8BEEBAAA-29B5-4AF5-BC5F-7E580C29002D}" type="datetimeFigureOut">
               <a:rPr lang="en-US" smtClean="0"/>
               <a:pPr/>
-              <a:t>6/6/2022</a:t>
+              <a:t>6/7/2022</a:t>
             </a:fld>
             <a:endParaRPr lang="en-US" dirty="0"/>
           </a:p>
@@ -8771,7 +8771,7 @@
           <a:p>
             <a:fld id="{4DBA459A-AA26-4610-AC30-F68496ECCEE6}" type="datetimeFigureOut">
               <a:rPr lang="en-US" smtClean="0"/>
-              <a:t>6/6/2022</a:t>
+              <a:t>6/7/2022</a:t>
             </a:fld>
             <a:endParaRPr lang="en-US"/>
           </a:p>
@@ -10789,6 +10789,64 @@
               </a:rPr>
               <a:t>https://github.com/iamjenetzler/pbifinanceml/tree/main/user%20files</a:t>
             </a:r>
+            <a:br>
+              <a:rPr lang="en-US" sz="4800" dirty="0">
+                <a:solidFill>
+                  <a:schemeClr val="bg2"/>
+                </a:solidFill>
+              </a:rPr>
+            </a:br>
+            <a:br>
+              <a:rPr lang="en-US" sz="4800" dirty="0">
+                <a:solidFill>
+                  <a:schemeClr val="bg2"/>
+                </a:solidFill>
+              </a:rPr>
+            </a:br>
+            <a:br>
+              <a:rPr lang="en-US" sz="4800" dirty="0">
+                <a:solidFill>
+                  <a:schemeClr val="bg2"/>
+                </a:solidFill>
+              </a:rPr>
+            </a:br>
+            <a:r>
+              <a:rPr lang="en-US" sz="4800" dirty="0">
+                <a:solidFill>
+                  <a:schemeClr val="bg2"/>
+                </a:solidFill>
+              </a:rPr>
+              <a:t>Please provide feed back by clicking-&gt; </a:t>
+            </a:r>
+            <a:r>
+              <a:rPr lang="en-US" sz="4800" dirty="0">
+                <a:solidFill>
+                  <a:schemeClr val="bg1"/>
+                </a:solidFill>
+                <a:hlinkClick r:id="rId5">
+                  <a:extLst>
+                    <a:ext uri="{A12FA001-AC4F-418D-AE19-62706E023703}">
+                      <ahyp:hlinkClr xmlns:ahyp="http://schemas.microsoft.com/office/drawing/2018/hyperlinkcolor" val="tx"/>
+                    </a:ext>
+                  </a:extLst>
+                </a:hlinkClick>
+              </a:rPr>
+              <a:t>Feedback</a:t>
+            </a:r>
+            <a:br>
+              <a:rPr lang="en-US" sz="4800" dirty="0">
+                <a:solidFill>
+                  <a:schemeClr val="bg2"/>
+                </a:solidFill>
+              </a:rPr>
+            </a:br>
+            <a:br>
+              <a:rPr lang="en-US" sz="4800" dirty="0">
+                <a:solidFill>
+                  <a:schemeClr val="bg2"/>
+                </a:solidFill>
+              </a:rPr>
+            </a:br>
             <a:br>
               <a:rPr lang="en-US" sz="4800" dirty="0">
                 <a:solidFill>
@@ -11956,21 +12014,6 @@
 </file>
 
 <file path=customXml/item1.xml><?xml version="1.0" encoding="utf-8"?>
-<p:properties xmlns:p="http://schemas.microsoft.com/office/2006/metadata/properties" xmlns:xsi="http://www.w3.org/2001/XMLSchema-instance" xmlns:pc="http://schemas.microsoft.com/office/infopath/2007/PartnerControls">
-  <documentManagement/>
-</p:properties>
-</file>
-
-<file path=customXml/item2.xml><?xml version="1.0" encoding="utf-8"?>
-<?mso-contentType ?>
-<FormTemplates xmlns="http://schemas.microsoft.com/sharepoint/v3/contenttype/forms">
-  <Display>DocumentLibraryForm</Display>
-  <Edit>DocumentLibraryForm</Edit>
-  <New>DocumentLibraryForm</New>
-</FormTemplates>
-</file>
-
-<file path=customXml/item3.xml><?xml version="1.0" encoding="utf-8"?>
 <ct:contentTypeSchema xmlns:ct="http://schemas.microsoft.com/office/2006/metadata/contentType" xmlns:ma="http://schemas.microsoft.com/office/2006/metadata/properties/metaAttributes" ct:_="" ma:_="" ma:contentTypeName="Document" ma:contentTypeID="0x010100156FD3A2B90BCE4B8AC88D3EDAB916FA" ma:contentTypeVersion="2" ma:contentTypeDescription="Create a new document." ma:contentTypeScope="" ma:versionID="ea8a86a48652fc093cbbca9998577fb5">
   <xsd:schema xmlns:xsd="http://www.w3.org/2001/XMLSchema" xmlns:xs="http://www.w3.org/2001/XMLSchema" xmlns:p="http://schemas.microsoft.com/office/2006/metadata/properties" xmlns:ns3="8c738f01-8432-4a68-b72c-4f229a66f780" targetNamespace="http://schemas.microsoft.com/office/2006/metadata/properties" ma:root="true" ma:fieldsID="3906a8bc1cfdb92c9986539f2d7437de" ns3:_="">
     <xsd:import namespace="8c738f01-8432-4a68-b72c-4f229a66f780"/>
@@ -12102,31 +12145,22 @@
 </ct:contentTypeSchema>
 </file>
 
-<file path=customXml/itemProps1.xml><?xml version="1.0" encoding="utf-8"?>
-<ds:datastoreItem xmlns:ds="http://schemas.openxmlformats.org/officeDocument/2006/customXml" ds:itemID="{950072C5-DDE0-4258-BA7A-4D4B80DFA632}">
-  <ds:schemaRefs>
-    <ds:schemaRef ds:uri="http://purl.org/dc/terms/"/>
-    <ds:schemaRef ds:uri="http://schemas.microsoft.com/office/2006/documentManagement/types"/>
-    <ds:schemaRef ds:uri="http://purl.org/dc/elements/1.1/"/>
-    <ds:schemaRef ds:uri="http://www.w3.org/XML/1998/namespace"/>
-    <ds:schemaRef ds:uri="http://purl.org/dc/dcmitype/"/>
-    <ds:schemaRef ds:uri="8c738f01-8432-4a68-b72c-4f229a66f780"/>
-    <ds:schemaRef ds:uri="http://schemas.microsoft.com/office/infopath/2007/PartnerControls"/>
-    <ds:schemaRef ds:uri="http://schemas.openxmlformats.org/package/2006/metadata/core-properties"/>
-    <ds:schemaRef ds:uri="http://schemas.microsoft.com/office/2006/metadata/properties"/>
-  </ds:schemaRefs>
-</ds:datastoreItem>
+<file path=customXml/item2.xml><?xml version="1.0" encoding="utf-8"?>
+<?mso-contentType ?>
+<FormTemplates xmlns="http://schemas.microsoft.com/sharepoint/v3/contenttype/forms">
+  <Display>DocumentLibraryForm</Display>
+  <Edit>DocumentLibraryForm</Edit>
+  <New>DocumentLibraryForm</New>
+</FormTemplates>
 </file>
 
-<file path=customXml/itemProps2.xml><?xml version="1.0" encoding="utf-8"?>
-<ds:datastoreItem xmlns:ds="http://schemas.openxmlformats.org/officeDocument/2006/customXml" ds:itemID="{7EE8C63A-4744-4DE4-BB49-0FF0B5375C60}">
-  <ds:schemaRefs>
-    <ds:schemaRef ds:uri="http://schemas.microsoft.com/sharepoint/v3/contenttype/forms"/>
-  </ds:schemaRefs>
-</ds:datastoreItem>
+<file path=customXml/item3.xml><?xml version="1.0" encoding="utf-8"?>
+<p:properties xmlns:p="http://schemas.microsoft.com/office/2006/metadata/properties" xmlns:xsi="http://www.w3.org/2001/XMLSchema-instance" xmlns:pc="http://schemas.microsoft.com/office/infopath/2007/PartnerControls">
+  <documentManagement/>
+</p:properties>
 </file>
 
-<file path=customXml/itemProps3.xml><?xml version="1.0" encoding="utf-8"?>
+<file path=customXml/itemProps1.xml><?xml version="1.0" encoding="utf-8"?>
 <ds:datastoreItem xmlns:ds="http://schemas.openxmlformats.org/officeDocument/2006/customXml" ds:itemID="{19955A91-CA35-4FB0-A806-1E73E9295433}">
   <ds:schemaRefs>
     <ds:schemaRef ds:uri="http://schemas.microsoft.com/office/2006/metadata/contentType"/>
@@ -12144,6 +12178,30 @@
 </ds:datastoreItem>
 </file>
 
+<file path=customXml/itemProps2.xml><?xml version="1.0" encoding="utf-8"?>
+<ds:datastoreItem xmlns:ds="http://schemas.openxmlformats.org/officeDocument/2006/customXml" ds:itemID="{7EE8C63A-4744-4DE4-BB49-0FF0B5375C60}">
+  <ds:schemaRefs>
+    <ds:schemaRef ds:uri="http://schemas.microsoft.com/sharepoint/v3/contenttype/forms"/>
+  </ds:schemaRefs>
+</ds:datastoreItem>
+</file>
+
+<file path=customXml/itemProps3.xml><?xml version="1.0" encoding="utf-8"?>
+<ds:datastoreItem xmlns:ds="http://schemas.openxmlformats.org/officeDocument/2006/customXml" ds:itemID="{950072C5-DDE0-4258-BA7A-4D4B80DFA632}">
+  <ds:schemaRefs>
+    <ds:schemaRef ds:uri="http://purl.org/dc/terms/"/>
+    <ds:schemaRef ds:uri="http://schemas.microsoft.com/office/2006/documentManagement/types"/>
+    <ds:schemaRef ds:uri="http://purl.org/dc/elements/1.1/"/>
+    <ds:schemaRef ds:uri="http://www.w3.org/XML/1998/namespace"/>
+    <ds:schemaRef ds:uri="http://purl.org/dc/dcmitype/"/>
+    <ds:schemaRef ds:uri="8c738f01-8432-4a68-b72c-4f229a66f780"/>
+    <ds:schemaRef ds:uri="http://schemas.microsoft.com/office/infopath/2007/PartnerControls"/>
+    <ds:schemaRef ds:uri="http://schemas.openxmlformats.org/package/2006/metadata/core-properties"/>
+    <ds:schemaRef ds:uri="http://schemas.microsoft.com/office/2006/metadata/properties"/>
+  </ds:schemaRefs>
+</ds:datastoreItem>
+</file>
+
 <file path=docMetadata/LabelInfo.xml><?xml version="1.0" encoding="utf-8"?>
 <clbl:labelList xmlns:clbl="http://schemas.microsoft.com/office/2020/mipLabelMetadata">
   <clbl:label id="{f42aa342-8706-4288-bd11-ebb85995028c}" enabled="1" method="Standard" siteId="{72f988bf-86f1-41af-91ab-2d7cd011db47}" contentBits="0" removed="0"/>
